--- a/Johnson's-website-slides.pptx
+++ b/Johnson's-website-slides.pptx
@@ -25327,8 +25327,8 @@
         </p:nvCxnSpPr>
         <p:spPr>
           <a:xfrm flipV="1">
-            <a:off x="6084639" y="1738148"/>
-            <a:ext cx="1296000" cy="1728000"/>
+            <a:off x="6769719" y="1696593"/>
+            <a:ext cx="612000" cy="1368000"/>
           </a:xfrm>
           <a:prstGeom prst="bentConnector3">
             <a:avLst>
@@ -25639,7 +25639,7 @@
             </a:pPr>
             <a:r>
               <a:rPr lang="en-AU" sz="1400" dirty="0"/>
-              <a:t>Centralised hub for key documents and social media platforms </a:t>
+              <a:t>Showcase for key personality traits and work skills</a:t>
             </a:r>
           </a:p>
         </p:txBody>
@@ -25661,7 +25661,7 @@
         <p:spPr>
           <a:xfrm flipH="1" flipV="1">
             <a:off x="1532848" y="1441706"/>
-            <a:ext cx="756000" cy="1728000"/>
+            <a:ext cx="1980000" cy="1116000"/>
           </a:xfrm>
           <a:prstGeom prst="bentConnector3">
             <a:avLst>
@@ -25972,7 +25972,7 @@
             </a:pPr>
             <a:r>
               <a:rPr lang="en-AU" sz="1400" dirty="0"/>
-              <a:t>Showcase for who individual is</a:t>
+              <a:t>Personal statement on who I am</a:t>
             </a:r>
           </a:p>
         </p:txBody>
@@ -26910,6 +26910,339 @@
           </a:fontRef>
         </p:style>
       </p:cxnSp>
+      <p:cxnSp>
+        <p:nvCxnSpPr>
+          <p:cNvPr id="10" name="Elbow Connector 9">
+            <a:extLst>
+              <a:ext uri="{FF2B5EF4-FFF2-40B4-BE49-F238E27FC236}">
+                <a16:creationId xmlns:a16="http://schemas.microsoft.com/office/drawing/2014/main" id="{EAA7703E-04D2-9349-988E-E97E29D25F25}"/>
+              </a:ext>
+            </a:extLst>
+          </p:cNvPr>
+          <p:cNvCxnSpPr>
+            <a:cxnSpLocks/>
+          </p:cNvCxnSpPr>
+          <p:nvPr/>
+        </p:nvCxnSpPr>
+        <p:spPr>
+          <a:xfrm flipV="1">
+            <a:off x="6192639" y="1696593"/>
+            <a:ext cx="1188000" cy="195268"/>
+          </a:xfrm>
+          <a:prstGeom prst="bentConnector3">
+            <a:avLst>
+              <a:gd name="adj1" fmla="val 50000"/>
+            </a:avLst>
+          </a:prstGeom>
+          <a:ln>
+            <a:tailEnd type="triangle"/>
+          </a:ln>
+        </p:spPr>
+        <p:style>
+          <a:lnRef idx="1">
+            <a:schemeClr val="accent1"/>
+          </a:lnRef>
+          <a:fillRef idx="0">
+            <a:schemeClr val="accent1"/>
+          </a:fillRef>
+          <a:effectRef idx="0">
+            <a:schemeClr val="accent1"/>
+          </a:effectRef>
+          <a:fontRef idx="minor">
+            <a:schemeClr val="tx1"/>
+          </a:fontRef>
+        </p:style>
+      </p:cxnSp>
+      <p:sp>
+        <p:nvSpPr>
+          <p:cNvPr id="11" name="Google Shape;840;p35">
+            <a:extLst>
+              <a:ext uri="{FF2B5EF4-FFF2-40B4-BE49-F238E27FC236}">
+                <a16:creationId xmlns:a16="http://schemas.microsoft.com/office/drawing/2014/main" id="{784A188C-61A2-FF42-BA81-8327429DE40C}"/>
+              </a:ext>
+            </a:extLst>
+          </p:cNvPr>
+          <p:cNvSpPr txBox="1">
+            <a:spLocks/>
+          </p:cNvSpPr>
+          <p:nvPr/>
+        </p:nvSpPr>
+        <p:spPr>
+          <a:xfrm>
+            <a:off x="7380639" y="1095703"/>
+            <a:ext cx="1763361" cy="1284890"/>
+          </a:xfrm>
+          <a:prstGeom prst="rect">
+            <a:avLst/>
+          </a:prstGeom>
+          <a:noFill/>
+          <a:ln>
+            <a:noFill/>
+          </a:ln>
+        </p:spPr>
+        <p:txBody>
+          <a:bodyPr spcFirstLastPara="1" wrap="square" lIns="91425" tIns="91425" rIns="91425" bIns="91425" anchor="ctr" anchorCtr="0">
+            <a:noAutofit/>
+          </a:bodyPr>
+          <a:lstStyle>
+            <a:defPPr marR="0" lvl="0" algn="l" rtl="0">
+              <a:lnSpc>
+                <a:spcPct val="100000"/>
+              </a:lnSpc>
+              <a:spcBef>
+                <a:spcPts val="0"/>
+              </a:spcBef>
+              <a:spcAft>
+                <a:spcPts val="0"/>
+              </a:spcAft>
+            </a:defPPr>
+            <a:lvl1pPr marL="457200" marR="0" lvl="0" indent="-368300" algn="l" rtl="0">
+              <a:lnSpc>
+                <a:spcPct val="100000"/>
+              </a:lnSpc>
+              <a:spcBef>
+                <a:spcPts val="600"/>
+              </a:spcBef>
+              <a:spcAft>
+                <a:spcPts val="0"/>
+              </a:spcAft>
+              <a:buClr>
+                <a:srgbClr val="FFC800"/>
+              </a:buClr>
+              <a:buSzPts val="2200"/>
+              <a:buFont typeface="Montserrat Light"/>
+              <a:buChar char="◂"/>
+              <a:defRPr sz="2200" b="0" i="0" u="none" strike="noStrike" cap="none">
+                <a:solidFill>
+                  <a:srgbClr val="434343"/>
+                </a:solidFill>
+                <a:latin typeface="Montserrat Light"/>
+                <a:ea typeface="Montserrat Light"/>
+                <a:cs typeface="Montserrat Light"/>
+                <a:sym typeface="Montserrat Light"/>
+              </a:defRPr>
+            </a:lvl1pPr>
+            <a:lvl2pPr marL="914400" marR="0" lvl="1" indent="-368300" algn="l" rtl="0">
+              <a:lnSpc>
+                <a:spcPct val="100000"/>
+              </a:lnSpc>
+              <a:spcBef>
+                <a:spcPts val="0"/>
+              </a:spcBef>
+              <a:spcAft>
+                <a:spcPts val="0"/>
+              </a:spcAft>
+              <a:buClr>
+                <a:srgbClr val="FFC800"/>
+              </a:buClr>
+              <a:buSzPts val="2200"/>
+              <a:buFont typeface="Montserrat Light"/>
+              <a:buChar char="◂"/>
+              <a:defRPr sz="2200" b="0" i="0" u="none" strike="noStrike" cap="none">
+                <a:solidFill>
+                  <a:srgbClr val="434343"/>
+                </a:solidFill>
+                <a:latin typeface="Montserrat Light"/>
+                <a:ea typeface="Montserrat Light"/>
+                <a:cs typeface="Montserrat Light"/>
+                <a:sym typeface="Montserrat Light"/>
+              </a:defRPr>
+            </a:lvl2pPr>
+            <a:lvl3pPr marL="1371600" marR="0" lvl="2" indent="-368300" algn="l" rtl="0">
+              <a:lnSpc>
+                <a:spcPct val="100000"/>
+              </a:lnSpc>
+              <a:spcBef>
+                <a:spcPts val="0"/>
+              </a:spcBef>
+              <a:spcAft>
+                <a:spcPts val="0"/>
+              </a:spcAft>
+              <a:buClr>
+                <a:srgbClr val="FFC800"/>
+              </a:buClr>
+              <a:buSzPts val="2200"/>
+              <a:buFont typeface="Montserrat Light"/>
+              <a:buChar char="◂"/>
+              <a:defRPr sz="2200" b="0" i="0" u="none" strike="noStrike" cap="none">
+                <a:solidFill>
+                  <a:srgbClr val="434343"/>
+                </a:solidFill>
+                <a:latin typeface="Montserrat Light"/>
+                <a:ea typeface="Montserrat Light"/>
+                <a:cs typeface="Montserrat Light"/>
+                <a:sym typeface="Montserrat Light"/>
+              </a:defRPr>
+            </a:lvl3pPr>
+            <a:lvl4pPr marL="1828800" marR="0" lvl="3" indent="-368300" algn="l" rtl="0">
+              <a:lnSpc>
+                <a:spcPct val="100000"/>
+              </a:lnSpc>
+              <a:spcBef>
+                <a:spcPts val="0"/>
+              </a:spcBef>
+              <a:spcAft>
+                <a:spcPts val="0"/>
+              </a:spcAft>
+              <a:buClr>
+                <a:srgbClr val="FFC800"/>
+              </a:buClr>
+              <a:buSzPts val="2200"/>
+              <a:buFont typeface="Montserrat Light"/>
+              <a:buChar char="◂"/>
+              <a:defRPr sz="2200" b="0" i="0" u="none" strike="noStrike" cap="none">
+                <a:solidFill>
+                  <a:srgbClr val="434343"/>
+                </a:solidFill>
+                <a:latin typeface="Montserrat Light"/>
+                <a:ea typeface="Montserrat Light"/>
+                <a:cs typeface="Montserrat Light"/>
+                <a:sym typeface="Montserrat Light"/>
+              </a:defRPr>
+            </a:lvl4pPr>
+            <a:lvl5pPr marL="2286000" marR="0" lvl="4" indent="-368300" algn="l" rtl="0">
+              <a:lnSpc>
+                <a:spcPct val="100000"/>
+              </a:lnSpc>
+              <a:spcBef>
+                <a:spcPts val="0"/>
+              </a:spcBef>
+              <a:spcAft>
+                <a:spcPts val="0"/>
+              </a:spcAft>
+              <a:buClr>
+                <a:srgbClr val="434343"/>
+              </a:buClr>
+              <a:buSzPts val="2200"/>
+              <a:buFont typeface="Montserrat Light"/>
+              <a:buChar char="○"/>
+              <a:defRPr sz="2200" b="0" i="0" u="none" strike="noStrike" cap="none">
+                <a:solidFill>
+                  <a:srgbClr val="434343"/>
+                </a:solidFill>
+                <a:latin typeface="Montserrat Light"/>
+                <a:ea typeface="Montserrat Light"/>
+                <a:cs typeface="Montserrat Light"/>
+                <a:sym typeface="Montserrat Light"/>
+              </a:defRPr>
+            </a:lvl5pPr>
+            <a:lvl6pPr marL="2743200" marR="0" lvl="5" indent="-368300" algn="l" rtl="0">
+              <a:lnSpc>
+                <a:spcPct val="100000"/>
+              </a:lnSpc>
+              <a:spcBef>
+                <a:spcPts val="0"/>
+              </a:spcBef>
+              <a:spcAft>
+                <a:spcPts val="0"/>
+              </a:spcAft>
+              <a:buClr>
+                <a:srgbClr val="434343"/>
+              </a:buClr>
+              <a:buSzPts val="2200"/>
+              <a:buFont typeface="Montserrat Light"/>
+              <a:buChar char="■"/>
+              <a:defRPr sz="2200" b="0" i="0" u="none" strike="noStrike" cap="none">
+                <a:solidFill>
+                  <a:srgbClr val="434343"/>
+                </a:solidFill>
+                <a:latin typeface="Montserrat Light"/>
+                <a:ea typeface="Montserrat Light"/>
+                <a:cs typeface="Montserrat Light"/>
+                <a:sym typeface="Montserrat Light"/>
+              </a:defRPr>
+            </a:lvl6pPr>
+            <a:lvl7pPr marL="3200400" marR="0" lvl="6" indent="-368300" algn="l" rtl="0">
+              <a:lnSpc>
+                <a:spcPct val="100000"/>
+              </a:lnSpc>
+              <a:spcBef>
+                <a:spcPts val="0"/>
+              </a:spcBef>
+              <a:spcAft>
+                <a:spcPts val="0"/>
+              </a:spcAft>
+              <a:buClr>
+                <a:srgbClr val="434343"/>
+              </a:buClr>
+              <a:buSzPts val="2200"/>
+              <a:buFont typeface="Montserrat Light"/>
+              <a:buChar char="●"/>
+              <a:defRPr sz="2200" b="0" i="0" u="none" strike="noStrike" cap="none">
+                <a:solidFill>
+                  <a:srgbClr val="434343"/>
+                </a:solidFill>
+                <a:latin typeface="Montserrat Light"/>
+                <a:ea typeface="Montserrat Light"/>
+                <a:cs typeface="Montserrat Light"/>
+                <a:sym typeface="Montserrat Light"/>
+              </a:defRPr>
+            </a:lvl7pPr>
+            <a:lvl8pPr marL="3657600" marR="0" lvl="7" indent="-368300" algn="l" rtl="0">
+              <a:lnSpc>
+                <a:spcPct val="100000"/>
+              </a:lnSpc>
+              <a:spcBef>
+                <a:spcPts val="0"/>
+              </a:spcBef>
+              <a:spcAft>
+                <a:spcPts val="0"/>
+              </a:spcAft>
+              <a:buClr>
+                <a:srgbClr val="434343"/>
+              </a:buClr>
+              <a:buSzPts val="2200"/>
+              <a:buFont typeface="Montserrat Light"/>
+              <a:buChar char="○"/>
+              <a:defRPr sz="2200" b="0" i="0" u="none" strike="noStrike" cap="none">
+                <a:solidFill>
+                  <a:srgbClr val="434343"/>
+                </a:solidFill>
+                <a:latin typeface="Montserrat Light"/>
+                <a:ea typeface="Montserrat Light"/>
+                <a:cs typeface="Montserrat Light"/>
+                <a:sym typeface="Montserrat Light"/>
+              </a:defRPr>
+            </a:lvl8pPr>
+            <a:lvl9pPr marL="4114800" marR="0" lvl="8" indent="-368300" algn="l" rtl="0">
+              <a:lnSpc>
+                <a:spcPct val="100000"/>
+              </a:lnSpc>
+              <a:spcBef>
+                <a:spcPts val="0"/>
+              </a:spcBef>
+              <a:spcAft>
+                <a:spcPts val="0"/>
+              </a:spcAft>
+              <a:buClr>
+                <a:srgbClr val="434343"/>
+              </a:buClr>
+              <a:buSzPts val="2200"/>
+              <a:buFont typeface="Montserrat Light"/>
+              <a:buChar char="■"/>
+              <a:defRPr sz="2200" b="0" i="0" u="none" strike="noStrike" cap="none">
+                <a:solidFill>
+                  <a:srgbClr val="434343"/>
+                </a:solidFill>
+                <a:latin typeface="Montserrat Light"/>
+                <a:ea typeface="Montserrat Light"/>
+                <a:cs typeface="Montserrat Light"/>
+                <a:sym typeface="Montserrat Light"/>
+              </a:defRPr>
+            </a:lvl9pPr>
+          </a:lstStyle>
+          <a:p>
+            <a:pPr marL="0" indent="0">
+              <a:buFont typeface="Montserrat Light"/>
+              <a:buNone/>
+            </a:pPr>
+            <a:r>
+              <a:rPr lang="en-AU" sz="1400" dirty="0"/>
+              <a:t>Centralised hub for key career information</a:t>
+            </a:r>
+          </a:p>
+        </p:txBody>
+      </p:sp>
     </p:spTree>
     <p:extLst>
       <p:ext uri="{BB962C8B-B14F-4D97-AF65-F5344CB8AC3E}">
@@ -31400,7 +31733,7 @@
             <a:pPr marL="285750" indent="-285750"/>
             <a:r>
               <a:rPr lang="en-AU" sz="1200" b="1" dirty="0"/>
-              <a:t>Website: </a:t>
+              <a:t>My website: </a:t>
             </a:r>
             <a:r>
               <a:rPr lang="en-AU" sz="1200" dirty="0"/>
@@ -34437,7 +34770,7 @@
         <p:spPr>
           <a:xfrm>
             <a:off x="631693" y="1374225"/>
-            <a:ext cx="3238742" cy="2523451"/>
+            <a:ext cx="3238742" cy="2370085"/>
           </a:xfrm>
           <a:custGeom>
             <a:avLst/>
@@ -35543,36 +35876,6 @@
           </a:p>
         </p:txBody>
       </p:sp>
-      <p:pic>
-        <p:nvPicPr>
-          <p:cNvPr id="3" name="Picture 2">
-            <a:extLst>
-              <a:ext uri="{FF2B5EF4-FFF2-40B4-BE49-F238E27FC236}">
-                <a16:creationId xmlns:a16="http://schemas.microsoft.com/office/drawing/2014/main" id="{E15514BC-B059-3B43-97C4-B3669A94162F}"/>
-              </a:ext>
-            </a:extLst>
-          </p:cNvPr>
-          <p:cNvPicPr>
-            <a:picLocks noChangeAspect="1"/>
-          </p:cNvPicPr>
-          <p:nvPr/>
-        </p:nvPicPr>
-        <p:blipFill>
-          <a:blip r:embed="rId3"/>
-          <a:stretch>
-            <a:fillRect/>
-          </a:stretch>
-        </p:blipFill>
-        <p:spPr>
-          <a:xfrm>
-            <a:off x="796129" y="1623848"/>
-            <a:ext cx="2909280" cy="1608083"/>
-          </a:xfrm>
-          <a:prstGeom prst="rect">
-            <a:avLst/>
-          </a:prstGeom>
-        </p:spPr>
-      </p:pic>
       <p:grpSp>
         <p:nvGrpSpPr>
           <p:cNvPr id="10" name="Google Shape;917;p39">
@@ -38550,6 +38853,36 @@
           </a:p>
         </p:txBody>
       </p:sp>
+      <p:pic>
+        <p:nvPicPr>
+          <p:cNvPr id="4" name="Picture 3">
+            <a:extLst>
+              <a:ext uri="{FF2B5EF4-FFF2-40B4-BE49-F238E27FC236}">
+                <a16:creationId xmlns:a16="http://schemas.microsoft.com/office/drawing/2014/main" id="{17764901-21A7-F041-B5D5-170C1C518BBD}"/>
+              </a:ext>
+            </a:extLst>
+          </p:cNvPr>
+          <p:cNvPicPr>
+            <a:picLocks noChangeAspect="1"/>
+          </p:cNvPicPr>
+          <p:nvPr/>
+        </p:nvPicPr>
+        <p:blipFill>
+          <a:blip r:embed="rId3"/>
+          <a:stretch>
+            <a:fillRect/>
+          </a:stretch>
+        </p:blipFill>
+        <p:spPr>
+          <a:xfrm>
+            <a:off x="781635" y="1618527"/>
+            <a:ext cx="2930977" cy="1618722"/>
+          </a:xfrm>
+          <a:prstGeom prst="rect">
+            <a:avLst/>
+          </a:prstGeom>
+        </p:spPr>
+      </p:pic>
     </p:spTree>
     <p:extLst>
       <p:ext uri="{BB962C8B-B14F-4D97-AF65-F5344CB8AC3E}">

--- a/Johnson's-website-slides.pptx
+++ b/Johnson's-website-slides.pptx
@@ -24741,6 +24741,36 @@
           <a:chExt cx="0" cy="0"/>
         </a:xfrm>
       </p:grpSpPr>
+      <p:pic>
+        <p:nvPicPr>
+          <p:cNvPr id="10" name="Picture 9">
+            <a:extLst>
+              <a:ext uri="{FF2B5EF4-FFF2-40B4-BE49-F238E27FC236}">
+                <a16:creationId xmlns:a16="http://schemas.microsoft.com/office/drawing/2014/main" id="{0DB5C240-BBA4-BC43-BB15-42B4DD4A754D}"/>
+              </a:ext>
+            </a:extLst>
+          </p:cNvPr>
+          <p:cNvPicPr>
+            <a:picLocks noChangeAspect="1"/>
+          </p:cNvPicPr>
+          <p:nvPr/>
+        </p:nvPicPr>
+        <p:blipFill>
+          <a:blip r:embed="rId3"/>
+          <a:stretch>
+            <a:fillRect/>
+          </a:stretch>
+        </p:blipFill>
+        <p:spPr>
+          <a:xfrm>
+            <a:off x="2055197" y="991586"/>
+            <a:ext cx="5033604" cy="2778013"/>
+          </a:xfrm>
+          <a:prstGeom prst="rect">
+            <a:avLst/>
+          </a:prstGeom>
+        </p:spPr>
+      </p:pic>
       <p:sp>
         <p:nvSpPr>
           <p:cNvPr id="837" name="Google Shape;837;p35"/>
@@ -25281,36 +25311,6 @@
           </a:p>
         </p:txBody>
       </p:sp>
-      <p:pic>
-        <p:nvPicPr>
-          <p:cNvPr id="3" name="Picture 2">
-            <a:extLst>
-              <a:ext uri="{FF2B5EF4-FFF2-40B4-BE49-F238E27FC236}">
-                <a16:creationId xmlns:a16="http://schemas.microsoft.com/office/drawing/2014/main" id="{E90146F7-E2B3-7C41-B177-C2AA5774F5B2}"/>
-              </a:ext>
-            </a:extLst>
-          </p:cNvPr>
-          <p:cNvPicPr>
-            <a:picLocks noChangeAspect="1"/>
-          </p:cNvPicPr>
-          <p:nvPr/>
-        </p:nvPicPr>
-        <p:blipFill>
-          <a:blip r:embed="rId3"/>
-          <a:stretch>
-            <a:fillRect/>
-          </a:stretch>
-        </p:blipFill>
-        <p:spPr>
-          <a:xfrm>
-            <a:off x="2035715" y="898634"/>
-            <a:ext cx="5078317" cy="2814145"/>
-          </a:xfrm>
-          <a:prstGeom prst="rect">
-            <a:avLst/>
-          </a:prstGeom>
-        </p:spPr>
-      </p:pic>
       <p:cxnSp>
         <p:nvCxnSpPr>
           <p:cNvPr id="4" name="Elbow Connector 3">
@@ -26500,6 +26500,36 @@
           </a:p>
         </p:txBody>
       </p:sp>
+      <p:pic>
+        <p:nvPicPr>
+          <p:cNvPr id="3" name="Picture 2">
+            <a:extLst>
+              <a:ext uri="{FF2B5EF4-FFF2-40B4-BE49-F238E27FC236}">
+                <a16:creationId xmlns:a16="http://schemas.microsoft.com/office/drawing/2014/main" id="{21A87D32-EDA6-8848-8092-B41F486A639B}"/>
+              </a:ext>
+            </a:extLst>
+          </p:cNvPr>
+          <p:cNvPicPr>
+            <a:picLocks noChangeAspect="1"/>
+          </p:cNvPicPr>
+          <p:nvPr/>
+        </p:nvPicPr>
+        <p:blipFill>
+          <a:blip r:embed="rId3"/>
+          <a:stretch>
+            <a:fillRect/>
+          </a:stretch>
+        </p:blipFill>
+        <p:spPr>
+          <a:xfrm>
+            <a:off x="2058941" y="923798"/>
+            <a:ext cx="5020718" cy="2773215"/>
+          </a:xfrm>
+          <a:prstGeom prst="rect">
+            <a:avLst/>
+          </a:prstGeom>
+        </p:spPr>
+      </p:pic>
       <p:sp>
         <p:nvSpPr>
           <p:cNvPr id="840" name="Google Shape;840;p35"/>
@@ -26837,36 +26867,6 @@
           </a:p>
         </p:txBody>
       </p:sp>
-      <p:pic>
-        <p:nvPicPr>
-          <p:cNvPr id="4" name="Picture 3">
-            <a:extLst>
-              <a:ext uri="{FF2B5EF4-FFF2-40B4-BE49-F238E27FC236}">
-                <a16:creationId xmlns:a16="http://schemas.microsoft.com/office/drawing/2014/main" id="{FF23D56B-40DB-A34C-A780-0FC507B52368}"/>
-              </a:ext>
-            </a:extLst>
-          </p:cNvPr>
-          <p:cNvPicPr>
-            <a:picLocks noChangeAspect="1"/>
-          </p:cNvPicPr>
-          <p:nvPr/>
-        </p:nvPicPr>
-        <p:blipFill>
-          <a:blip r:embed="rId3"/>
-          <a:stretch>
-            <a:fillRect/>
-          </a:stretch>
-        </p:blipFill>
-        <p:spPr>
-          <a:xfrm>
-            <a:off x="2034564" y="899801"/>
-            <a:ext cx="5078436" cy="2805095"/>
-          </a:xfrm>
-          <a:prstGeom prst="rect">
-            <a:avLst/>
-          </a:prstGeom>
-        </p:spPr>
-      </p:pic>
       <p:cxnSp>
         <p:nvCxnSpPr>
           <p:cNvPr id="27" name="Elbow Connector 26">
@@ -38855,10 +38855,10 @@
       </p:sp>
       <p:pic>
         <p:nvPicPr>
-          <p:cNvPr id="4" name="Picture 3">
+          <p:cNvPr id="3" name="Picture 2">
             <a:extLst>
               <a:ext uri="{FF2B5EF4-FFF2-40B4-BE49-F238E27FC236}">
-                <a16:creationId xmlns:a16="http://schemas.microsoft.com/office/drawing/2014/main" id="{17764901-21A7-F041-B5D5-170C1C518BBD}"/>
+                <a16:creationId xmlns:a16="http://schemas.microsoft.com/office/drawing/2014/main" id="{E19EA96F-5D94-7F42-B919-8890A7A230C9}"/>
               </a:ext>
             </a:extLst>
           </p:cNvPr>
@@ -38875,8 +38875,8 @@
         </p:blipFill>
         <p:spPr>
           <a:xfrm>
-            <a:off x="781635" y="1618527"/>
-            <a:ext cx="2930977" cy="1618722"/>
+            <a:off x="787867" y="1551888"/>
+            <a:ext cx="2926393" cy="1615057"/>
           </a:xfrm>
           <a:prstGeom prst="rect">
             <a:avLst/>

--- a/Johnson's-website-slides.pptx
+++ b/Johnson's-website-slides.pptx
@@ -25977,6 +25977,339 @@
           </a:p>
         </p:txBody>
       </p:sp>
+      <p:cxnSp>
+        <p:nvCxnSpPr>
+          <p:cNvPr id="14" name="Elbow Connector 13">
+            <a:extLst>
+              <a:ext uri="{FF2B5EF4-FFF2-40B4-BE49-F238E27FC236}">
+                <a16:creationId xmlns:a16="http://schemas.microsoft.com/office/drawing/2014/main" id="{FE710F2B-7E75-A94C-8301-D4134FF041D0}"/>
+              </a:ext>
+            </a:extLst>
+          </p:cNvPr>
+          <p:cNvCxnSpPr>
+            <a:cxnSpLocks/>
+          </p:cNvCxnSpPr>
+          <p:nvPr/>
+        </p:nvCxnSpPr>
+        <p:spPr>
+          <a:xfrm flipV="1">
+            <a:off x="6154123" y="3375541"/>
+            <a:ext cx="1188000" cy="195268"/>
+          </a:xfrm>
+          <a:prstGeom prst="bentConnector3">
+            <a:avLst>
+              <a:gd name="adj1" fmla="val 50000"/>
+            </a:avLst>
+          </a:prstGeom>
+          <a:ln>
+            <a:tailEnd type="triangle"/>
+          </a:ln>
+        </p:spPr>
+        <p:style>
+          <a:lnRef idx="1">
+            <a:schemeClr val="accent1"/>
+          </a:lnRef>
+          <a:fillRef idx="0">
+            <a:schemeClr val="accent1"/>
+          </a:fillRef>
+          <a:effectRef idx="0">
+            <a:schemeClr val="accent1"/>
+          </a:effectRef>
+          <a:fontRef idx="minor">
+            <a:schemeClr val="tx1"/>
+          </a:fontRef>
+        </p:style>
+      </p:cxnSp>
+      <p:sp>
+        <p:nvSpPr>
+          <p:cNvPr id="15" name="Google Shape;840;p35">
+            <a:extLst>
+              <a:ext uri="{FF2B5EF4-FFF2-40B4-BE49-F238E27FC236}">
+                <a16:creationId xmlns:a16="http://schemas.microsoft.com/office/drawing/2014/main" id="{5C46FDE8-44EA-B64E-B034-C7E28BBA1E94}"/>
+              </a:ext>
+            </a:extLst>
+          </p:cNvPr>
+          <p:cNvSpPr txBox="1">
+            <a:spLocks/>
+          </p:cNvSpPr>
+          <p:nvPr/>
+        </p:nvSpPr>
+        <p:spPr>
+          <a:xfrm>
+            <a:off x="7342123" y="2774651"/>
+            <a:ext cx="1763361" cy="1284890"/>
+          </a:xfrm>
+          <a:prstGeom prst="rect">
+            <a:avLst/>
+          </a:prstGeom>
+          <a:noFill/>
+          <a:ln>
+            <a:noFill/>
+          </a:ln>
+        </p:spPr>
+        <p:txBody>
+          <a:bodyPr spcFirstLastPara="1" wrap="square" lIns="91425" tIns="91425" rIns="91425" bIns="91425" anchor="ctr" anchorCtr="0">
+            <a:noAutofit/>
+          </a:bodyPr>
+          <a:lstStyle>
+            <a:defPPr marR="0" lvl="0" algn="l" rtl="0">
+              <a:lnSpc>
+                <a:spcPct val="100000"/>
+              </a:lnSpc>
+              <a:spcBef>
+                <a:spcPts val="0"/>
+              </a:spcBef>
+              <a:spcAft>
+                <a:spcPts val="0"/>
+              </a:spcAft>
+            </a:defPPr>
+            <a:lvl1pPr marL="457200" marR="0" lvl="0" indent="-368300" algn="l" rtl="0">
+              <a:lnSpc>
+                <a:spcPct val="100000"/>
+              </a:lnSpc>
+              <a:spcBef>
+                <a:spcPts val="600"/>
+              </a:spcBef>
+              <a:spcAft>
+                <a:spcPts val="0"/>
+              </a:spcAft>
+              <a:buClr>
+                <a:srgbClr val="FFC800"/>
+              </a:buClr>
+              <a:buSzPts val="2200"/>
+              <a:buFont typeface="Montserrat Light"/>
+              <a:buChar char="◂"/>
+              <a:defRPr sz="2200" b="0" i="0" u="none" strike="noStrike" cap="none">
+                <a:solidFill>
+                  <a:srgbClr val="434343"/>
+                </a:solidFill>
+                <a:latin typeface="Montserrat Light"/>
+                <a:ea typeface="Montserrat Light"/>
+                <a:cs typeface="Montserrat Light"/>
+                <a:sym typeface="Montserrat Light"/>
+              </a:defRPr>
+            </a:lvl1pPr>
+            <a:lvl2pPr marL="914400" marR="0" lvl="1" indent="-368300" algn="l" rtl="0">
+              <a:lnSpc>
+                <a:spcPct val="100000"/>
+              </a:lnSpc>
+              <a:spcBef>
+                <a:spcPts val="0"/>
+              </a:spcBef>
+              <a:spcAft>
+                <a:spcPts val="0"/>
+              </a:spcAft>
+              <a:buClr>
+                <a:srgbClr val="FFC800"/>
+              </a:buClr>
+              <a:buSzPts val="2200"/>
+              <a:buFont typeface="Montserrat Light"/>
+              <a:buChar char="◂"/>
+              <a:defRPr sz="2200" b="0" i="0" u="none" strike="noStrike" cap="none">
+                <a:solidFill>
+                  <a:srgbClr val="434343"/>
+                </a:solidFill>
+                <a:latin typeface="Montserrat Light"/>
+                <a:ea typeface="Montserrat Light"/>
+                <a:cs typeface="Montserrat Light"/>
+                <a:sym typeface="Montserrat Light"/>
+              </a:defRPr>
+            </a:lvl2pPr>
+            <a:lvl3pPr marL="1371600" marR="0" lvl="2" indent="-368300" algn="l" rtl="0">
+              <a:lnSpc>
+                <a:spcPct val="100000"/>
+              </a:lnSpc>
+              <a:spcBef>
+                <a:spcPts val="0"/>
+              </a:spcBef>
+              <a:spcAft>
+                <a:spcPts val="0"/>
+              </a:spcAft>
+              <a:buClr>
+                <a:srgbClr val="FFC800"/>
+              </a:buClr>
+              <a:buSzPts val="2200"/>
+              <a:buFont typeface="Montserrat Light"/>
+              <a:buChar char="◂"/>
+              <a:defRPr sz="2200" b="0" i="0" u="none" strike="noStrike" cap="none">
+                <a:solidFill>
+                  <a:srgbClr val="434343"/>
+                </a:solidFill>
+                <a:latin typeface="Montserrat Light"/>
+                <a:ea typeface="Montserrat Light"/>
+                <a:cs typeface="Montserrat Light"/>
+                <a:sym typeface="Montserrat Light"/>
+              </a:defRPr>
+            </a:lvl3pPr>
+            <a:lvl4pPr marL="1828800" marR="0" lvl="3" indent="-368300" algn="l" rtl="0">
+              <a:lnSpc>
+                <a:spcPct val="100000"/>
+              </a:lnSpc>
+              <a:spcBef>
+                <a:spcPts val="0"/>
+              </a:spcBef>
+              <a:spcAft>
+                <a:spcPts val="0"/>
+              </a:spcAft>
+              <a:buClr>
+                <a:srgbClr val="FFC800"/>
+              </a:buClr>
+              <a:buSzPts val="2200"/>
+              <a:buFont typeface="Montserrat Light"/>
+              <a:buChar char="◂"/>
+              <a:defRPr sz="2200" b="0" i="0" u="none" strike="noStrike" cap="none">
+                <a:solidFill>
+                  <a:srgbClr val="434343"/>
+                </a:solidFill>
+                <a:latin typeface="Montserrat Light"/>
+                <a:ea typeface="Montserrat Light"/>
+                <a:cs typeface="Montserrat Light"/>
+                <a:sym typeface="Montserrat Light"/>
+              </a:defRPr>
+            </a:lvl4pPr>
+            <a:lvl5pPr marL="2286000" marR="0" lvl="4" indent="-368300" algn="l" rtl="0">
+              <a:lnSpc>
+                <a:spcPct val="100000"/>
+              </a:lnSpc>
+              <a:spcBef>
+                <a:spcPts val="0"/>
+              </a:spcBef>
+              <a:spcAft>
+                <a:spcPts val="0"/>
+              </a:spcAft>
+              <a:buClr>
+                <a:srgbClr val="434343"/>
+              </a:buClr>
+              <a:buSzPts val="2200"/>
+              <a:buFont typeface="Montserrat Light"/>
+              <a:buChar char="○"/>
+              <a:defRPr sz="2200" b="0" i="0" u="none" strike="noStrike" cap="none">
+                <a:solidFill>
+                  <a:srgbClr val="434343"/>
+                </a:solidFill>
+                <a:latin typeface="Montserrat Light"/>
+                <a:ea typeface="Montserrat Light"/>
+                <a:cs typeface="Montserrat Light"/>
+                <a:sym typeface="Montserrat Light"/>
+              </a:defRPr>
+            </a:lvl5pPr>
+            <a:lvl6pPr marL="2743200" marR="0" lvl="5" indent="-368300" algn="l" rtl="0">
+              <a:lnSpc>
+                <a:spcPct val="100000"/>
+              </a:lnSpc>
+              <a:spcBef>
+                <a:spcPts val="0"/>
+              </a:spcBef>
+              <a:spcAft>
+                <a:spcPts val="0"/>
+              </a:spcAft>
+              <a:buClr>
+                <a:srgbClr val="434343"/>
+              </a:buClr>
+              <a:buSzPts val="2200"/>
+              <a:buFont typeface="Montserrat Light"/>
+              <a:buChar char="■"/>
+              <a:defRPr sz="2200" b="0" i="0" u="none" strike="noStrike" cap="none">
+                <a:solidFill>
+                  <a:srgbClr val="434343"/>
+                </a:solidFill>
+                <a:latin typeface="Montserrat Light"/>
+                <a:ea typeface="Montserrat Light"/>
+                <a:cs typeface="Montserrat Light"/>
+                <a:sym typeface="Montserrat Light"/>
+              </a:defRPr>
+            </a:lvl6pPr>
+            <a:lvl7pPr marL="3200400" marR="0" lvl="6" indent="-368300" algn="l" rtl="0">
+              <a:lnSpc>
+                <a:spcPct val="100000"/>
+              </a:lnSpc>
+              <a:spcBef>
+                <a:spcPts val="0"/>
+              </a:spcBef>
+              <a:spcAft>
+                <a:spcPts val="0"/>
+              </a:spcAft>
+              <a:buClr>
+                <a:srgbClr val="434343"/>
+              </a:buClr>
+              <a:buSzPts val="2200"/>
+              <a:buFont typeface="Montserrat Light"/>
+              <a:buChar char="●"/>
+              <a:defRPr sz="2200" b="0" i="0" u="none" strike="noStrike" cap="none">
+                <a:solidFill>
+                  <a:srgbClr val="434343"/>
+                </a:solidFill>
+                <a:latin typeface="Montserrat Light"/>
+                <a:ea typeface="Montserrat Light"/>
+                <a:cs typeface="Montserrat Light"/>
+                <a:sym typeface="Montserrat Light"/>
+              </a:defRPr>
+            </a:lvl7pPr>
+            <a:lvl8pPr marL="3657600" marR="0" lvl="7" indent="-368300" algn="l" rtl="0">
+              <a:lnSpc>
+                <a:spcPct val="100000"/>
+              </a:lnSpc>
+              <a:spcBef>
+                <a:spcPts val="0"/>
+              </a:spcBef>
+              <a:spcAft>
+                <a:spcPts val="0"/>
+              </a:spcAft>
+              <a:buClr>
+                <a:srgbClr val="434343"/>
+              </a:buClr>
+              <a:buSzPts val="2200"/>
+              <a:buFont typeface="Montserrat Light"/>
+              <a:buChar char="○"/>
+              <a:defRPr sz="2200" b="0" i="0" u="none" strike="noStrike" cap="none">
+                <a:solidFill>
+                  <a:srgbClr val="434343"/>
+                </a:solidFill>
+                <a:latin typeface="Montserrat Light"/>
+                <a:ea typeface="Montserrat Light"/>
+                <a:cs typeface="Montserrat Light"/>
+                <a:sym typeface="Montserrat Light"/>
+              </a:defRPr>
+            </a:lvl8pPr>
+            <a:lvl9pPr marL="4114800" marR="0" lvl="8" indent="-368300" algn="l" rtl="0">
+              <a:lnSpc>
+                <a:spcPct val="100000"/>
+              </a:lnSpc>
+              <a:spcBef>
+                <a:spcPts val="0"/>
+              </a:spcBef>
+              <a:spcAft>
+                <a:spcPts val="0"/>
+              </a:spcAft>
+              <a:buClr>
+                <a:srgbClr val="434343"/>
+              </a:buClr>
+              <a:buSzPts val="2200"/>
+              <a:buFont typeface="Montserrat Light"/>
+              <a:buChar char="■"/>
+              <a:defRPr sz="2200" b="0" i="0" u="none" strike="noStrike" cap="none">
+                <a:solidFill>
+                  <a:srgbClr val="434343"/>
+                </a:solidFill>
+                <a:latin typeface="Montserrat Light"/>
+                <a:ea typeface="Montserrat Light"/>
+                <a:cs typeface="Montserrat Light"/>
+                <a:sym typeface="Montserrat Light"/>
+              </a:defRPr>
+            </a:lvl9pPr>
+          </a:lstStyle>
+          <a:p>
+            <a:pPr marL="0" indent="0">
+              <a:buFont typeface="Montserrat Light"/>
+              <a:buNone/>
+            </a:pPr>
+            <a:r>
+              <a:rPr lang="en-AU" sz="1400" dirty="0"/>
+              <a:t>Centralised hub for key career information</a:t>
+            </a:r>
+          </a:p>
+        </p:txBody>
+      </p:sp>
     </p:spTree>
     <p:extLst>
       <p:ext uri="{BB962C8B-B14F-4D97-AF65-F5344CB8AC3E}">
@@ -26007,6 +26340,36 @@
           <a:chExt cx="0" cy="0"/>
         </a:xfrm>
       </p:grpSpPr>
+      <p:pic>
+        <p:nvPicPr>
+          <p:cNvPr id="4" name="Picture 3">
+            <a:extLst>
+              <a:ext uri="{FF2B5EF4-FFF2-40B4-BE49-F238E27FC236}">
+                <a16:creationId xmlns:a16="http://schemas.microsoft.com/office/drawing/2014/main" id="{AF50F1AF-0D34-DD46-BAB1-046106460733}"/>
+              </a:ext>
+            </a:extLst>
+          </p:cNvPr>
+          <p:cNvPicPr>
+            <a:picLocks noChangeAspect="1"/>
+          </p:cNvPicPr>
+          <p:nvPr/>
+        </p:nvPicPr>
+        <p:blipFill>
+          <a:blip r:embed="rId3"/>
+          <a:stretch>
+            <a:fillRect/>
+          </a:stretch>
+        </p:blipFill>
+        <p:spPr>
+          <a:xfrm>
+            <a:off x="2072711" y="935036"/>
+            <a:ext cx="4998577" cy="2757110"/>
+          </a:xfrm>
+          <a:prstGeom prst="rect">
+            <a:avLst/>
+          </a:prstGeom>
+        </p:spPr>
+      </p:pic>
       <p:sp>
         <p:nvSpPr>
           <p:cNvPr id="837" name="Google Shape;837;p35"/>
@@ -26500,36 +26863,6 @@
           </a:p>
         </p:txBody>
       </p:sp>
-      <p:pic>
-        <p:nvPicPr>
-          <p:cNvPr id="3" name="Picture 2">
-            <a:extLst>
-              <a:ext uri="{FF2B5EF4-FFF2-40B4-BE49-F238E27FC236}">
-                <a16:creationId xmlns:a16="http://schemas.microsoft.com/office/drawing/2014/main" id="{21A87D32-EDA6-8848-8092-B41F486A639B}"/>
-              </a:ext>
-            </a:extLst>
-          </p:cNvPr>
-          <p:cNvPicPr>
-            <a:picLocks noChangeAspect="1"/>
-          </p:cNvPicPr>
-          <p:nvPr/>
-        </p:nvPicPr>
-        <p:blipFill>
-          <a:blip r:embed="rId3"/>
-          <a:stretch>
-            <a:fillRect/>
-          </a:stretch>
-        </p:blipFill>
-        <p:spPr>
-          <a:xfrm>
-            <a:off x="2058941" y="923798"/>
-            <a:ext cx="5020718" cy="2773215"/>
-          </a:xfrm>
-          <a:prstGeom prst="rect">
-            <a:avLst/>
-          </a:prstGeom>
-        </p:spPr>
-      </p:pic>
       <p:sp>
         <p:nvSpPr>
           <p:cNvPr id="840" name="Google Shape;840;p35"/>
@@ -26883,8 +27216,8 @@
         </p:nvCxnSpPr>
         <p:spPr>
           <a:xfrm rot="10800000">
-            <a:off x="1593388" y="1891861"/>
-            <a:ext cx="612000" cy="764630"/>
+            <a:off x="1598909" y="1891861"/>
+            <a:ext cx="504000" cy="764630"/>
           </a:xfrm>
           <a:prstGeom prst="bentConnector3">
             <a:avLst>
@@ -26910,339 +27243,6 @@
           </a:fontRef>
         </p:style>
       </p:cxnSp>
-      <p:cxnSp>
-        <p:nvCxnSpPr>
-          <p:cNvPr id="10" name="Elbow Connector 9">
-            <a:extLst>
-              <a:ext uri="{FF2B5EF4-FFF2-40B4-BE49-F238E27FC236}">
-                <a16:creationId xmlns:a16="http://schemas.microsoft.com/office/drawing/2014/main" id="{EAA7703E-04D2-9349-988E-E97E29D25F25}"/>
-              </a:ext>
-            </a:extLst>
-          </p:cNvPr>
-          <p:cNvCxnSpPr>
-            <a:cxnSpLocks/>
-          </p:cNvCxnSpPr>
-          <p:nvPr/>
-        </p:nvCxnSpPr>
-        <p:spPr>
-          <a:xfrm flipV="1">
-            <a:off x="6192639" y="1696593"/>
-            <a:ext cx="1188000" cy="195268"/>
-          </a:xfrm>
-          <a:prstGeom prst="bentConnector3">
-            <a:avLst>
-              <a:gd name="adj1" fmla="val 50000"/>
-            </a:avLst>
-          </a:prstGeom>
-          <a:ln>
-            <a:tailEnd type="triangle"/>
-          </a:ln>
-        </p:spPr>
-        <p:style>
-          <a:lnRef idx="1">
-            <a:schemeClr val="accent1"/>
-          </a:lnRef>
-          <a:fillRef idx="0">
-            <a:schemeClr val="accent1"/>
-          </a:fillRef>
-          <a:effectRef idx="0">
-            <a:schemeClr val="accent1"/>
-          </a:effectRef>
-          <a:fontRef idx="minor">
-            <a:schemeClr val="tx1"/>
-          </a:fontRef>
-        </p:style>
-      </p:cxnSp>
-      <p:sp>
-        <p:nvSpPr>
-          <p:cNvPr id="11" name="Google Shape;840;p35">
-            <a:extLst>
-              <a:ext uri="{FF2B5EF4-FFF2-40B4-BE49-F238E27FC236}">
-                <a16:creationId xmlns:a16="http://schemas.microsoft.com/office/drawing/2014/main" id="{784A188C-61A2-FF42-BA81-8327429DE40C}"/>
-              </a:ext>
-            </a:extLst>
-          </p:cNvPr>
-          <p:cNvSpPr txBox="1">
-            <a:spLocks/>
-          </p:cNvSpPr>
-          <p:nvPr/>
-        </p:nvSpPr>
-        <p:spPr>
-          <a:xfrm>
-            <a:off x="7380639" y="1095703"/>
-            <a:ext cx="1763361" cy="1284890"/>
-          </a:xfrm>
-          <a:prstGeom prst="rect">
-            <a:avLst/>
-          </a:prstGeom>
-          <a:noFill/>
-          <a:ln>
-            <a:noFill/>
-          </a:ln>
-        </p:spPr>
-        <p:txBody>
-          <a:bodyPr spcFirstLastPara="1" wrap="square" lIns="91425" tIns="91425" rIns="91425" bIns="91425" anchor="ctr" anchorCtr="0">
-            <a:noAutofit/>
-          </a:bodyPr>
-          <a:lstStyle>
-            <a:defPPr marR="0" lvl="0" algn="l" rtl="0">
-              <a:lnSpc>
-                <a:spcPct val="100000"/>
-              </a:lnSpc>
-              <a:spcBef>
-                <a:spcPts val="0"/>
-              </a:spcBef>
-              <a:spcAft>
-                <a:spcPts val="0"/>
-              </a:spcAft>
-            </a:defPPr>
-            <a:lvl1pPr marL="457200" marR="0" lvl="0" indent="-368300" algn="l" rtl="0">
-              <a:lnSpc>
-                <a:spcPct val="100000"/>
-              </a:lnSpc>
-              <a:spcBef>
-                <a:spcPts val="600"/>
-              </a:spcBef>
-              <a:spcAft>
-                <a:spcPts val="0"/>
-              </a:spcAft>
-              <a:buClr>
-                <a:srgbClr val="FFC800"/>
-              </a:buClr>
-              <a:buSzPts val="2200"/>
-              <a:buFont typeface="Montserrat Light"/>
-              <a:buChar char="◂"/>
-              <a:defRPr sz="2200" b="0" i="0" u="none" strike="noStrike" cap="none">
-                <a:solidFill>
-                  <a:srgbClr val="434343"/>
-                </a:solidFill>
-                <a:latin typeface="Montserrat Light"/>
-                <a:ea typeface="Montserrat Light"/>
-                <a:cs typeface="Montserrat Light"/>
-                <a:sym typeface="Montserrat Light"/>
-              </a:defRPr>
-            </a:lvl1pPr>
-            <a:lvl2pPr marL="914400" marR="0" lvl="1" indent="-368300" algn="l" rtl="0">
-              <a:lnSpc>
-                <a:spcPct val="100000"/>
-              </a:lnSpc>
-              <a:spcBef>
-                <a:spcPts val="0"/>
-              </a:spcBef>
-              <a:spcAft>
-                <a:spcPts val="0"/>
-              </a:spcAft>
-              <a:buClr>
-                <a:srgbClr val="FFC800"/>
-              </a:buClr>
-              <a:buSzPts val="2200"/>
-              <a:buFont typeface="Montserrat Light"/>
-              <a:buChar char="◂"/>
-              <a:defRPr sz="2200" b="0" i="0" u="none" strike="noStrike" cap="none">
-                <a:solidFill>
-                  <a:srgbClr val="434343"/>
-                </a:solidFill>
-                <a:latin typeface="Montserrat Light"/>
-                <a:ea typeface="Montserrat Light"/>
-                <a:cs typeface="Montserrat Light"/>
-                <a:sym typeface="Montserrat Light"/>
-              </a:defRPr>
-            </a:lvl2pPr>
-            <a:lvl3pPr marL="1371600" marR="0" lvl="2" indent="-368300" algn="l" rtl="0">
-              <a:lnSpc>
-                <a:spcPct val="100000"/>
-              </a:lnSpc>
-              <a:spcBef>
-                <a:spcPts val="0"/>
-              </a:spcBef>
-              <a:spcAft>
-                <a:spcPts val="0"/>
-              </a:spcAft>
-              <a:buClr>
-                <a:srgbClr val="FFC800"/>
-              </a:buClr>
-              <a:buSzPts val="2200"/>
-              <a:buFont typeface="Montserrat Light"/>
-              <a:buChar char="◂"/>
-              <a:defRPr sz="2200" b="0" i="0" u="none" strike="noStrike" cap="none">
-                <a:solidFill>
-                  <a:srgbClr val="434343"/>
-                </a:solidFill>
-                <a:latin typeface="Montserrat Light"/>
-                <a:ea typeface="Montserrat Light"/>
-                <a:cs typeface="Montserrat Light"/>
-                <a:sym typeface="Montserrat Light"/>
-              </a:defRPr>
-            </a:lvl3pPr>
-            <a:lvl4pPr marL="1828800" marR="0" lvl="3" indent="-368300" algn="l" rtl="0">
-              <a:lnSpc>
-                <a:spcPct val="100000"/>
-              </a:lnSpc>
-              <a:spcBef>
-                <a:spcPts val="0"/>
-              </a:spcBef>
-              <a:spcAft>
-                <a:spcPts val="0"/>
-              </a:spcAft>
-              <a:buClr>
-                <a:srgbClr val="FFC800"/>
-              </a:buClr>
-              <a:buSzPts val="2200"/>
-              <a:buFont typeface="Montserrat Light"/>
-              <a:buChar char="◂"/>
-              <a:defRPr sz="2200" b="0" i="0" u="none" strike="noStrike" cap="none">
-                <a:solidFill>
-                  <a:srgbClr val="434343"/>
-                </a:solidFill>
-                <a:latin typeface="Montserrat Light"/>
-                <a:ea typeface="Montserrat Light"/>
-                <a:cs typeface="Montserrat Light"/>
-                <a:sym typeface="Montserrat Light"/>
-              </a:defRPr>
-            </a:lvl4pPr>
-            <a:lvl5pPr marL="2286000" marR="0" lvl="4" indent="-368300" algn="l" rtl="0">
-              <a:lnSpc>
-                <a:spcPct val="100000"/>
-              </a:lnSpc>
-              <a:spcBef>
-                <a:spcPts val="0"/>
-              </a:spcBef>
-              <a:spcAft>
-                <a:spcPts val="0"/>
-              </a:spcAft>
-              <a:buClr>
-                <a:srgbClr val="434343"/>
-              </a:buClr>
-              <a:buSzPts val="2200"/>
-              <a:buFont typeface="Montserrat Light"/>
-              <a:buChar char="○"/>
-              <a:defRPr sz="2200" b="0" i="0" u="none" strike="noStrike" cap="none">
-                <a:solidFill>
-                  <a:srgbClr val="434343"/>
-                </a:solidFill>
-                <a:latin typeface="Montserrat Light"/>
-                <a:ea typeface="Montserrat Light"/>
-                <a:cs typeface="Montserrat Light"/>
-                <a:sym typeface="Montserrat Light"/>
-              </a:defRPr>
-            </a:lvl5pPr>
-            <a:lvl6pPr marL="2743200" marR="0" lvl="5" indent="-368300" algn="l" rtl="0">
-              <a:lnSpc>
-                <a:spcPct val="100000"/>
-              </a:lnSpc>
-              <a:spcBef>
-                <a:spcPts val="0"/>
-              </a:spcBef>
-              <a:spcAft>
-                <a:spcPts val="0"/>
-              </a:spcAft>
-              <a:buClr>
-                <a:srgbClr val="434343"/>
-              </a:buClr>
-              <a:buSzPts val="2200"/>
-              <a:buFont typeface="Montserrat Light"/>
-              <a:buChar char="■"/>
-              <a:defRPr sz="2200" b="0" i="0" u="none" strike="noStrike" cap="none">
-                <a:solidFill>
-                  <a:srgbClr val="434343"/>
-                </a:solidFill>
-                <a:latin typeface="Montserrat Light"/>
-                <a:ea typeface="Montserrat Light"/>
-                <a:cs typeface="Montserrat Light"/>
-                <a:sym typeface="Montserrat Light"/>
-              </a:defRPr>
-            </a:lvl6pPr>
-            <a:lvl7pPr marL="3200400" marR="0" lvl="6" indent="-368300" algn="l" rtl="0">
-              <a:lnSpc>
-                <a:spcPct val="100000"/>
-              </a:lnSpc>
-              <a:spcBef>
-                <a:spcPts val="0"/>
-              </a:spcBef>
-              <a:spcAft>
-                <a:spcPts val="0"/>
-              </a:spcAft>
-              <a:buClr>
-                <a:srgbClr val="434343"/>
-              </a:buClr>
-              <a:buSzPts val="2200"/>
-              <a:buFont typeface="Montserrat Light"/>
-              <a:buChar char="●"/>
-              <a:defRPr sz="2200" b="0" i="0" u="none" strike="noStrike" cap="none">
-                <a:solidFill>
-                  <a:srgbClr val="434343"/>
-                </a:solidFill>
-                <a:latin typeface="Montserrat Light"/>
-                <a:ea typeface="Montserrat Light"/>
-                <a:cs typeface="Montserrat Light"/>
-                <a:sym typeface="Montserrat Light"/>
-              </a:defRPr>
-            </a:lvl7pPr>
-            <a:lvl8pPr marL="3657600" marR="0" lvl="7" indent="-368300" algn="l" rtl="0">
-              <a:lnSpc>
-                <a:spcPct val="100000"/>
-              </a:lnSpc>
-              <a:spcBef>
-                <a:spcPts val="0"/>
-              </a:spcBef>
-              <a:spcAft>
-                <a:spcPts val="0"/>
-              </a:spcAft>
-              <a:buClr>
-                <a:srgbClr val="434343"/>
-              </a:buClr>
-              <a:buSzPts val="2200"/>
-              <a:buFont typeface="Montserrat Light"/>
-              <a:buChar char="○"/>
-              <a:defRPr sz="2200" b="0" i="0" u="none" strike="noStrike" cap="none">
-                <a:solidFill>
-                  <a:srgbClr val="434343"/>
-                </a:solidFill>
-                <a:latin typeface="Montserrat Light"/>
-                <a:ea typeface="Montserrat Light"/>
-                <a:cs typeface="Montserrat Light"/>
-                <a:sym typeface="Montserrat Light"/>
-              </a:defRPr>
-            </a:lvl8pPr>
-            <a:lvl9pPr marL="4114800" marR="0" lvl="8" indent="-368300" algn="l" rtl="0">
-              <a:lnSpc>
-                <a:spcPct val="100000"/>
-              </a:lnSpc>
-              <a:spcBef>
-                <a:spcPts val="0"/>
-              </a:spcBef>
-              <a:spcAft>
-                <a:spcPts val="0"/>
-              </a:spcAft>
-              <a:buClr>
-                <a:srgbClr val="434343"/>
-              </a:buClr>
-              <a:buSzPts val="2200"/>
-              <a:buFont typeface="Montserrat Light"/>
-              <a:buChar char="■"/>
-              <a:defRPr sz="2200" b="0" i="0" u="none" strike="noStrike" cap="none">
-                <a:solidFill>
-                  <a:srgbClr val="434343"/>
-                </a:solidFill>
-                <a:latin typeface="Montserrat Light"/>
-                <a:ea typeface="Montserrat Light"/>
-                <a:cs typeface="Montserrat Light"/>
-                <a:sym typeface="Montserrat Light"/>
-              </a:defRPr>
-            </a:lvl9pPr>
-          </a:lstStyle>
-          <a:p>
-            <a:pPr marL="0" indent="0">
-              <a:buFont typeface="Montserrat Light"/>
-              <a:buNone/>
-            </a:pPr>
-            <a:r>
-              <a:rPr lang="en-AU" sz="1400" dirty="0"/>
-              <a:t>Centralised hub for key career information</a:t>
-            </a:r>
-          </a:p>
-        </p:txBody>
-      </p:sp>
     </p:spTree>
     <p:extLst>
       <p:ext uri="{BB962C8B-B14F-4D97-AF65-F5344CB8AC3E}">
